--- a/Data/Examples/ROS-GeoPose/Experiments/ExperimentsInfo.pptx
+++ b/Data/Examples/ROS-GeoPose/Experiments/ExperimentsInfo.pptx
@@ -264,7 +264,7 @@
       <p15:sldGuideLst xmlns:p15="http://schemas.microsoft.com/office/powerpoint/2012/main"/>
     </p:ext>
     <p:ext uri="http://customooxmlschemas.google.com/">
-      <go:slidesCustomData xmlns:go="http://customooxmlschemas.google.com/" xmlns:ahyp="http://schemas.microsoft.com/office/drawing/2018/hyperlinkcolor" xmlns:p15="http://schemas.microsoft.com/office/powerpoint/2012/main" xmlns:p14="http://schemas.microsoft.com/office/powerpoint/2010/main" xmlns:com="http://schemas.openxmlformats.org/drawingml/2006/compatibility" xmlns:pvml="urn:schemas-microsoft-com:office:powerpoint" xmlns:v="urn:schemas-microsoft-com:vml" xmlns:o="urn:schemas-microsoft-com:office:office" xmlns:dgm="http://schemas.openxmlformats.org/drawingml/2006/diagram" xmlns:c="http://schemas.openxmlformats.org/drawingml/2006/chart" xmlns:mv="urn:schemas-microsoft-com:mac:vml" xmlns:mc="http://schemas.openxmlformats.org/markup-compatibility/2006" xmlns="" r:id="rId22" roundtripDataSignature="AMtx7mjJqoClH8vldesXdiRpI53dfbUErw=="/>
+      <go:slidesCustomData xmlns="" xmlns:mc="http://schemas.openxmlformats.org/markup-compatibility/2006" xmlns:mv="urn:schemas-microsoft-com:mac:vml" xmlns:c="http://schemas.openxmlformats.org/drawingml/2006/chart" xmlns:dgm="http://schemas.openxmlformats.org/drawingml/2006/diagram" xmlns:o="urn:schemas-microsoft-com:office:office" xmlns:v="urn:schemas-microsoft-com:vml" xmlns:pvml="urn:schemas-microsoft-com:office:powerpoint" xmlns:com="http://schemas.openxmlformats.org/drawingml/2006/compatibility" xmlns:p14="http://schemas.microsoft.com/office/powerpoint/2010/main" xmlns:p15="http://schemas.microsoft.com/office/powerpoint/2012/main" xmlns:ahyp="http://schemas.microsoft.com/office/drawing/2018/hyperlinkcolor" xmlns:go="http://customooxmlschemas.google.com/" r:id="rId22" roundtripDataSignature="AMtx7mjJqoClH8vldesXdiRpI53dfbUErw=="/>
     </p:ext>
   </p:extLst>
 </p:presentation>
@@ -6498,15 +6498,15 @@
             </a:pPr>
             <a:r>
               <a:rPr lang="en-US" sz="2000" dirty="0"/>
-              <a:t>Goal of the GeoPose experiments is to have seven real-world examples of the use of and computation with each of the eight GeoPose 1.0 </a:t>
+              <a:t>Goal of the GeoPose experiments is to have eight real-world examples of the application of each of the eight GeoPose 1.0 </a:t>
             </a:r>
             <a:r>
               <a:rPr lang="en-US" sz="2000" dirty="0" err="1"/>
-              <a:t>Standarization</a:t>
+              <a:t>Standarisation</a:t>
             </a:r>
             <a:r>
               <a:rPr lang="en-US" sz="2000" dirty="0"/>
-              <a:t> Targets:</a:t>
+              <a:t> Targets and a demo web app:</a:t>
             </a:r>
           </a:p>
           <a:p>
@@ -6531,7 +6531,7 @@
             </a:pPr>
             <a:r>
               <a:rPr lang="en-US" sz="1400" u="sng" dirty="0"/>
-              <a:t>Goal 1: Serve one Basic GeoPose of selected type for either nav sensors or video at any time within the data time span</a:t>
+              <a:t>Goals 1, 2, 3: Serve selected type {YPR, Quaternion} of the two Basic or the Advanced GeoPoses for either nav sensors or video at any time within the data time span</a:t>
             </a:r>
           </a:p>
           <a:p>
@@ -6556,7 +6556,7 @@
             </a:pPr>
             <a:r>
               <a:rPr lang="en-US" sz="1400" u="sng" dirty="0"/>
-              <a:t>Goal 2: Serve GeoPose chains using the nav sensor frame as a link at any time within the video data time span</a:t>
+              <a:t>Goal 4: Serve GeoPose chains using the nav sensor frame as a link at any time within the video data time span</a:t>
             </a:r>
           </a:p>
           <a:p>
@@ -6581,7 +6581,7 @@
             </a:pPr>
             <a:r>
               <a:rPr lang="en-US" sz="1400" u="sng" dirty="0"/>
-              <a:t>Goal: 3 Serve GeoPose graphs with multiple target GeoPoses at any time within the video data time span</a:t>
+              <a:t>Goal: 5 Serve GeoPose graphs with multiple target GeoPoses at any time within the video data time span</a:t>
             </a:r>
           </a:p>
           <a:p>
@@ -6606,7 +6606,7 @@
             </a:pPr>
             <a:r>
               <a:rPr lang="en-US" sz="1400" u="sng" dirty="0"/>
-              <a:t>Goal 4: Serve nav sensor or video poses at a specified rate as a regular series</a:t>
+              <a:t>Goal 6: Serve nav sensor or video poses at a specified rate as a regular series</a:t>
             </a:r>
           </a:p>
           <a:p>
@@ -6619,7 +6619,7 @@
             </a:pPr>
             <a:r>
               <a:rPr lang="en-US" sz="1400" u="sng" dirty="0"/>
-              <a:t>Goal 5: Serve nav sensor or video poses as an irregular series</a:t>
+              <a:t>Goal 7: Serve nav sensor or video poses as an irregular series</a:t>
             </a:r>
           </a:p>
           <a:p>
@@ -6644,7 +6644,7 @@
             </a:pPr>
             <a:r>
               <a:rPr lang="en-US" sz="1400" u="sng" dirty="0"/>
-              <a:t>Goal 6: Serve nav sensor or video poses from start to end at real time rate</a:t>
+              <a:t>Goal 8: Serve nav sensor or video poses from start to end at real time rate</a:t>
             </a:r>
           </a:p>
           <a:p>
@@ -6657,7 +6657,7 @@
             </a:pPr>
             <a:r>
               <a:rPr lang="en-US" sz="1400" u="sng" dirty="0"/>
-              <a:t>Goal 7: Demo web app using Google Street View to animate stream</a:t>
+              <a:t>Goal 9: Demo web app using Google Street View to animate stream</a:t>
             </a:r>
           </a:p>
           <a:p>
@@ -6826,8 +6826,8 @@
           </a:prstGeom>
         </p:spPr>
       </p:pic>
-      <mc:AlternateContent xmlns:mc="http://schemas.openxmlformats.org/markup-compatibility/2006">
-        <mc:Choice xmlns:p14="http://schemas.microsoft.com/office/powerpoint/2010/main" Requires="p14">
+      <mc:AlternateContent xmlns:mc="http://schemas.openxmlformats.org/markup-compatibility/2006" xmlns:p14="http://schemas.microsoft.com/office/powerpoint/2010/main">
+        <mc:Choice Requires="p14">
           <p:contentPart p14:bwMode="auto" r:id="rId4">
             <p14:nvContentPartPr>
               <p14:cNvPr id="8" name="Ink 7">
@@ -6846,7 +6846,7 @@
             </p14:xfrm>
           </p:contentPart>
         </mc:Choice>
-        <mc:Fallback>
+        <mc:Fallback xmlns="">
           <p:pic>
             <p:nvPicPr>
               <p:cNvPr id="8" name="Ink 7">
@@ -6907,6 +6907,82 @@
           </a:prstGeom>
         </p:spPr>
       </p:pic>
+      <p:sp>
+        <p:nvSpPr>
+          <p:cNvPr id="3" name="TextBox 2">
+            <a:extLst>
+              <a:ext uri="{FF2B5EF4-FFF2-40B4-BE49-F238E27FC236}">
+                <a16:creationId xmlns:a16="http://schemas.microsoft.com/office/drawing/2014/main" id="{8EF7E2CF-537B-4069-A331-4BB2990A23CA}"/>
+              </a:ext>
+            </a:extLst>
+          </p:cNvPr>
+          <p:cNvSpPr txBox="1"/>
+          <p:nvPr/>
+        </p:nvSpPr>
+        <p:spPr>
+          <a:xfrm>
+            <a:off x="8738482" y="5935206"/>
+            <a:ext cx="2043485" cy="307777"/>
+          </a:xfrm>
+          <a:prstGeom prst="rect">
+            <a:avLst/>
+          </a:prstGeom>
+          <a:noFill/>
+        </p:spPr>
+        <p:txBody>
+          <a:bodyPr wrap="square" rtlCol="0">
+            <a:spAutoFit/>
+          </a:bodyPr>
+          <a:lstStyle/>
+          <a:p>
+            <a:r>
+              <a:rPr lang="en-US" dirty="0"/>
+              <a:t>The OS Test Range</a:t>
+            </a:r>
+            <a:endParaRPr lang="it-IT" dirty="0"/>
+          </a:p>
+        </p:txBody>
+      </p:sp>
+      <p:sp>
+        <p:nvSpPr>
+          <p:cNvPr id="12" name="TextBox 11">
+            <a:extLst>
+              <a:ext uri="{FF2B5EF4-FFF2-40B4-BE49-F238E27FC236}">
+                <a16:creationId xmlns:a16="http://schemas.microsoft.com/office/drawing/2014/main" id="{B263AA7B-2F7A-4C87-BF85-6C18988BB730}"/>
+              </a:ext>
+            </a:extLst>
+          </p:cNvPr>
+          <p:cNvSpPr txBox="1"/>
+          <p:nvPr/>
+        </p:nvSpPr>
+        <p:spPr>
+          <a:xfrm>
+            <a:off x="9503079" y="1056579"/>
+            <a:ext cx="1914994" cy="307777"/>
+          </a:xfrm>
+          <a:prstGeom prst="rect">
+            <a:avLst/>
+          </a:prstGeom>
+          <a:noFill/>
+        </p:spPr>
+        <p:txBody>
+          <a:bodyPr wrap="square">
+            <a:spAutoFit/>
+          </a:bodyPr>
+          <a:lstStyle/>
+          <a:p>
+            <a:r>
+              <a:rPr lang="en-US" dirty="0"/>
+              <a:t>The OS </a:t>
+            </a:r>
+            <a:r>
+              <a:rPr lang="en-US" dirty="0" err="1"/>
+              <a:t>Twizy</a:t>
+            </a:r>
+            <a:endParaRPr lang="it-IT" dirty="0"/>
+          </a:p>
+        </p:txBody>
+      </p:sp>
     </p:spTree>
     <p:extLst>
       <p:ext uri="{BB962C8B-B14F-4D97-AF65-F5344CB8AC3E}">

--- a/Data/Examples/ROS-GeoPose/Experiments/ExperimentsInfo.pptx
+++ b/Data/Examples/ROS-GeoPose/Experiments/ExperimentsInfo.pptx
@@ -23,7 +23,7 @@
       <p:boldItalic r:id="rId9"/>
     </p:embeddedFont>
     <p:embeddedFont>
-      <p:font typeface="Lato" panose="020B0604020202020204" charset="0"/>
+      <p:font typeface="Lato" panose="020F0502020204030203" pitchFamily="34" charset="0"/>
       <p:regular r:id="rId10"/>
       <p:bold r:id="rId11"/>
       <p:italic r:id="rId12"/>
@@ -264,7 +264,7 @@
       <p15:sldGuideLst xmlns:p15="http://schemas.microsoft.com/office/powerpoint/2012/main"/>
     </p:ext>
     <p:ext uri="http://customooxmlschemas.google.com/">
-      <go:slidesCustomData xmlns="" xmlns:mc="http://schemas.openxmlformats.org/markup-compatibility/2006" xmlns:mv="urn:schemas-microsoft-com:mac:vml" xmlns:c="http://schemas.openxmlformats.org/drawingml/2006/chart" xmlns:dgm="http://schemas.openxmlformats.org/drawingml/2006/diagram" xmlns:o="urn:schemas-microsoft-com:office:office" xmlns:v="urn:schemas-microsoft-com:vml" xmlns:pvml="urn:schemas-microsoft-com:office:powerpoint" xmlns:com="http://schemas.openxmlformats.org/drawingml/2006/compatibility" xmlns:p14="http://schemas.microsoft.com/office/powerpoint/2010/main" xmlns:p15="http://schemas.microsoft.com/office/powerpoint/2012/main" xmlns:ahyp="http://schemas.microsoft.com/office/drawing/2018/hyperlinkcolor" xmlns:go="http://customooxmlschemas.google.com/" r:id="rId22" roundtripDataSignature="AMtx7mjJqoClH8vldesXdiRpI53dfbUErw=="/>
+      <go:slidesCustomData xmlns:go="http://customooxmlschemas.google.com/" xmlns:ahyp="http://schemas.microsoft.com/office/drawing/2018/hyperlinkcolor" xmlns:p15="http://schemas.microsoft.com/office/powerpoint/2012/main" xmlns:p14="http://schemas.microsoft.com/office/powerpoint/2010/main" xmlns:com="http://schemas.openxmlformats.org/drawingml/2006/compatibility" xmlns:pvml="urn:schemas-microsoft-com:office:powerpoint" xmlns:v="urn:schemas-microsoft-com:vml" xmlns:o="urn:schemas-microsoft-com:office:office" xmlns:dgm="http://schemas.openxmlformats.org/drawingml/2006/diagram" xmlns:c="http://schemas.openxmlformats.org/drawingml/2006/chart" xmlns:mv="urn:schemas-microsoft-com:mac:vml" xmlns:mc="http://schemas.openxmlformats.org/markup-compatibility/2006" xmlns="" r:id="rId22" roundtripDataSignature="AMtx7mjJqoClH8vldesXdiRpI53dfbUErw=="/>
     </p:ext>
   </p:extLst>
 </p:presentation>
@@ -7150,7 +7150,23 @@
             </a:pPr>
             <a:r>
               <a:rPr lang="en-US" sz="2400" dirty="0"/>
-              <a:t>We expect to be finished 1</a:t>
+              <a:t>We expect to be finished </a:t>
+            </a:r>
+            <a:r>
+              <a:rPr lang="en-US" sz="2400" strike="sngStrike" dirty="0"/>
+              <a:t>1</a:t>
+            </a:r>
+            <a:r>
+              <a:rPr lang="en-US" sz="2400" strike="sngStrike" baseline="30000" dirty="0"/>
+              <a:t>st</a:t>
+            </a:r>
+            <a:r>
+              <a:rPr lang="en-US" sz="2400" strike="sngStrike" dirty="0"/>
+              <a:t> October 2021 </a:t>
+            </a:r>
+            <a:r>
+              <a:rPr lang="en-US" sz="2400" dirty="0"/>
+              <a:t>1</a:t>
             </a:r>
             <a:r>
               <a:rPr lang="en-US" sz="2400" baseline="30000" dirty="0"/>
@@ -7158,7 +7174,11 @@
             </a:r>
             <a:r>
               <a:rPr lang="en-US" sz="2400" dirty="0"/>
-              <a:t> October 2021</a:t>
+              <a:t> November 2021</a:t>
+            </a:r>
+            <a:r>
+              <a:rPr lang="en-US" sz="2400" strike="sngStrike" dirty="0"/>
+              <a:t>.</a:t>
             </a:r>
           </a:p>
           <a:p>
